--- a/from-data-entry-to-marc.pptx
+++ b/from-data-entry-to-marc.pptx
@@ -18,7 +18,7 @@
     <p:sldId id="260" r:id="rId9"/>
     <p:sldId id="261" r:id="rId10"/>
     <p:sldId id="265" r:id="rId11"/>
-    <p:sldId id="266" r:id="rId12"/>
+    <p:sldId id="267" r:id="rId12"/>
   </p:sldIdLst>
   <p:sldSz cx="12192000" cy="6858000"/>
   <p:notesSz cx="6858000" cy="9144000"/>
@@ -5539,12 +5539,14 @@
         </p:nvSpPr>
         <p:spPr>
           <a:xfrm>
-            <a:off x="838200" y="2612571"/>
-            <a:ext cx="5786120" cy="3564391"/>
+            <a:off x="838200" y="2377441"/>
+            <a:ext cx="6995160" cy="3850640"/>
           </a:xfrm>
         </p:spPr>
         <p:txBody>
-          <a:bodyPr/>
+          <a:bodyPr>
+            <a:normAutofit/>
+          </a:bodyPr>
           <a:lstStyle/>
           <a:p>
             <a:pPr marL="0" indent="0" algn="ctr">
@@ -5636,7 +5638,7 @@
           <a:p>
             <a:pPr marL="0" indent="0" algn="ctr">
               <a:lnSpc>
-                <a:spcPct val="50000"/>
+                <a:spcPct val="100000"/>
               </a:lnSpc>
               <a:spcAft>
                 <a:spcPts val="0"/>
@@ -5644,8 +5646,10 @@
               <a:buNone/>
             </a:pPr>
             <a:r>
-              <a:rPr lang="en-US" i="1" dirty="0"/>
-              <a:t>GitHub link</a:t>
+              <a:rPr lang="en-US" sz="2400" dirty="0">
+                <a:hlinkClick r:id="rId4"/>
+              </a:rPr>
+              <a:t>https://github.com/JacquelineSaavedra/From-data-entry-to-MARC</a:t>
             </a:r>
             <a:endParaRPr lang="en-US" sz="2800" i="1" dirty="0"/>
           </a:p>
@@ -5672,7 +5676,7 @@
           <p:nvPr/>
         </p:nvPicPr>
         <p:blipFill>
-          <a:blip r:embed="rId4">
+          <a:blip r:embed="rId5">
             <a:extLst>
               <a:ext uri="{28A0092B-C50C-407E-A947-70E740481C1C}">
                 <a14:useLocalDpi xmlns:a14="http://schemas.microsoft.com/office/drawing/2010/main" val="0"/>
@@ -5730,7 +5734,7 @@
     </p:spTree>
     <p:extLst>
       <p:ext uri="{BB962C8B-B14F-4D97-AF65-F5344CB8AC3E}">
-        <p14:creationId xmlns:p14="http://schemas.microsoft.com/office/powerpoint/2010/main" val="3063109096"/>
+        <p14:creationId xmlns:p14="http://schemas.microsoft.com/office/powerpoint/2010/main" val="2628306426"/>
       </p:ext>
     </p:extLst>
   </p:cSld>
